--- a/courses/Dis Str IMS/Dis Str IMS File/DS - Week 4.pptx
+++ b/courses/Dis Str IMS/Dis Str IMS File/DS - Week 4.pptx
@@ -5,7 +5,7 @@
     <p:sldMasterId id="2147483648" r:id="rId1"/>
   </p:sldMasterIdLst>
   <p:notesMasterIdLst>
-    <p:notesMasterId r:id="rId38"/>
+    <p:notesMasterId r:id="rId39"/>
   </p:notesMasterIdLst>
   <p:sldIdLst>
     <p:sldId id="304" r:id="rId2"/>
@@ -30,20 +30,21 @@
     <p:sldId id="274" r:id="rId21"/>
     <p:sldId id="275" r:id="rId22"/>
     <p:sldId id="276" r:id="rId23"/>
-    <p:sldId id="277" r:id="rId24"/>
-    <p:sldId id="278" r:id="rId25"/>
-    <p:sldId id="306" r:id="rId26"/>
-    <p:sldId id="307" r:id="rId27"/>
-    <p:sldId id="308" r:id="rId28"/>
-    <p:sldId id="309" r:id="rId29"/>
-    <p:sldId id="305" r:id="rId30"/>
-    <p:sldId id="279" r:id="rId31"/>
-    <p:sldId id="280" r:id="rId32"/>
-    <p:sldId id="281" r:id="rId33"/>
-    <p:sldId id="282" r:id="rId34"/>
-    <p:sldId id="283" r:id="rId35"/>
-    <p:sldId id="284" r:id="rId36"/>
-    <p:sldId id="285" r:id="rId37"/>
+    <p:sldId id="310" r:id="rId24"/>
+    <p:sldId id="277" r:id="rId25"/>
+    <p:sldId id="278" r:id="rId26"/>
+    <p:sldId id="306" r:id="rId27"/>
+    <p:sldId id="307" r:id="rId28"/>
+    <p:sldId id="308" r:id="rId29"/>
+    <p:sldId id="309" r:id="rId30"/>
+    <p:sldId id="305" r:id="rId31"/>
+    <p:sldId id="279" r:id="rId32"/>
+    <p:sldId id="280" r:id="rId33"/>
+    <p:sldId id="281" r:id="rId34"/>
+    <p:sldId id="282" r:id="rId35"/>
+    <p:sldId id="283" r:id="rId36"/>
+    <p:sldId id="284" r:id="rId37"/>
+    <p:sldId id="285" r:id="rId38"/>
   </p:sldIdLst>
   <p:sldSz cx="9144000" cy="6858000" type="screen4x3"/>
   <p:notesSz cx="6858000" cy="9144000"/>
@@ -7836,6 +7837,63 @@
           </a:extLst>
         </p:spPr>
       </p:pic>
+      <p:sp>
+        <p:nvSpPr>
+          <p:cNvPr id="2" name="Rounded Rectangle 1">
+            <a:extLst>
+              <a:ext uri="{FF2B5EF4-FFF2-40B4-BE49-F238E27FC236}">
+                <a16:creationId xmlns:a16="http://schemas.microsoft.com/office/drawing/2014/main" id="{F07B5FDC-DEBD-DE99-AC89-3C22C9420D46}"/>
+              </a:ext>
+            </a:extLst>
+          </p:cNvPr>
+          <p:cNvSpPr/>
+          <p:nvPr/>
+        </p:nvSpPr>
+        <p:spPr>
+          <a:xfrm>
+            <a:off x="1066800" y="1981200"/>
+            <a:ext cx="7239000" cy="3352800"/>
+          </a:xfrm>
+          <a:prstGeom prst="roundRect">
+            <a:avLst/>
+          </a:prstGeom>
+          <a:solidFill>
+            <a:srgbClr val="945200"/>
+          </a:solidFill>
+          <a:ln>
+            <a:solidFill>
+              <a:srgbClr val="C00000"/>
+            </a:solidFill>
+          </a:ln>
+        </p:spPr>
+        <p:style>
+          <a:lnRef idx="2">
+            <a:schemeClr val="accent1">
+              <a:shade val="15000"/>
+            </a:schemeClr>
+          </a:lnRef>
+          <a:fillRef idx="1">
+            <a:schemeClr val="accent1"/>
+          </a:fillRef>
+          <a:effectRef idx="0">
+            <a:schemeClr val="accent1"/>
+          </a:effectRef>
+          <a:fontRef idx="minor">
+            <a:schemeClr val="lt1"/>
+          </a:fontRef>
+        </p:style>
+        <p:txBody>
+          <a:bodyPr rtlCol="0" anchor="ctr"/>
+          <a:lstStyle/>
+          <a:p>
+            <a:pPr algn="ctr"/>
+            <a:r>
+              <a:rPr lang="en-US"/>
+              <a:t>Create Circuit</a:t>
+            </a:r>
+          </a:p>
+        </p:txBody>
+      </p:sp>
     </p:spTree>
   </p:cSld>
   <p:clrMapOvr>
@@ -7849,7 +7907,13 @@
   <p:cSld>
     <p:spTree>
       <p:nvGrpSpPr>
-        <p:cNvPr id="1" name=""/>
+        <p:cNvPr id="1" name="">
+          <a:extLst>
+            <a:ext uri="{FF2B5EF4-FFF2-40B4-BE49-F238E27FC236}">
+              <a16:creationId xmlns:a16="http://schemas.microsoft.com/office/drawing/2014/main" id="{BAE80A11-55AF-9EB9-6E49-65361C3FBADE}"/>
+            </a:ext>
+          </a:extLst>
+        </p:cNvPr>
         <p:cNvGrpSpPr/>
         <p:nvPr/>
       </p:nvGrpSpPr>
@@ -7863,10 +7927,10 @@
       </p:grpSpPr>
       <p:sp>
         <p:nvSpPr>
-          <p:cNvPr id="23554" name="Rectangle 5">
+          <p:cNvPr id="22530" name="Rectangle 5">
             <a:extLst>
               <a:ext uri="{FF2B5EF4-FFF2-40B4-BE49-F238E27FC236}">
-                <a16:creationId xmlns:a16="http://schemas.microsoft.com/office/drawing/2014/main" id="{53F11A3E-F9FA-B772-6780-FF32819BE79C}"/>
+                <a16:creationId xmlns:a16="http://schemas.microsoft.com/office/drawing/2014/main" id="{77127981-228A-7EFD-496C-A10339DF2436}"/>
               </a:ext>
             </a:extLst>
           </p:cNvPr>
@@ -7877,7 +7941,7 @@
         </p:nvSpPr>
         <p:spPr bwMode="auto">
           <a:xfrm>
-            <a:off x="457200" y="274638"/>
+            <a:off x="457200" y="268288"/>
             <a:ext cx="8229600" cy="1143000"/>
           </a:xfrm>
           <a:prstGeom prst="rect">
@@ -8016,7 +8080,7 @@
                 </a:solidFill>
                 <a:cs typeface="Arial" panose="020B0604020202020204" pitchFamily="34" charset="0"/>
               </a:rPr>
-              <a:t>Solution – (6 - 22)</a:t>
+              <a:t>Circuit Diagram – (6 – 23)</a:t>
             </a:r>
             <a:endParaRPr lang="en-US" altLang="en-US" sz="4400">
               <a:solidFill>
@@ -8028,10 +8092,10 @@
       </p:sp>
       <p:pic>
         <p:nvPicPr>
-          <p:cNvPr id="23555" name="Picture 4">
+          <p:cNvPr id="22531" name="Picture 4">
             <a:extLst>
               <a:ext uri="{FF2B5EF4-FFF2-40B4-BE49-F238E27FC236}">
-                <a16:creationId xmlns:a16="http://schemas.microsoft.com/office/drawing/2014/main" id="{C09366F0-0964-724D-FC72-AC3D7DC7A403}"/>
+                <a16:creationId xmlns:a16="http://schemas.microsoft.com/office/drawing/2014/main" id="{CA953A12-DA5B-8148-EC7C-30EDB3840CBA}"/>
               </a:ext>
             </a:extLst>
           </p:cNvPr>
@@ -8055,7 +8119,7 @@
         </p:blipFill>
         <p:spPr bwMode="auto">
           <a:xfrm>
-            <a:off x="0" y="-304800"/>
+            <a:off x="0" y="-381000"/>
             <a:ext cx="9144000" cy="6629400"/>
           </a:xfrm>
           <a:prstGeom prst="rect">
@@ -8087,6 +8151,11 @@
         </p:spPr>
       </p:pic>
     </p:spTree>
+    <p:extLst>
+      <p:ext uri="{BB962C8B-B14F-4D97-AF65-F5344CB8AC3E}">
+        <p14:creationId xmlns:p14="http://schemas.microsoft.com/office/powerpoint/2010/main" val="1504188768"/>
+      </p:ext>
+    </p:extLst>
   </p:cSld>
   <p:clrMapOvr>
     <a:masterClrMapping/>
@@ -8113,6 +8182,256 @@
       </p:grpSpPr>
       <p:sp>
         <p:nvSpPr>
+          <p:cNvPr id="23554" name="Rectangle 5">
+            <a:extLst>
+              <a:ext uri="{FF2B5EF4-FFF2-40B4-BE49-F238E27FC236}">
+                <a16:creationId xmlns:a16="http://schemas.microsoft.com/office/drawing/2014/main" id="{53F11A3E-F9FA-B772-6780-FF32819BE79C}"/>
+              </a:ext>
+            </a:extLst>
+          </p:cNvPr>
+          <p:cNvSpPr>
+            <a:spLocks noChangeArrowheads="1"/>
+          </p:cNvSpPr>
+          <p:nvPr/>
+        </p:nvSpPr>
+        <p:spPr bwMode="auto">
+          <a:xfrm>
+            <a:off x="457200" y="274638"/>
+            <a:ext cx="8229600" cy="1143000"/>
+          </a:xfrm>
+          <a:prstGeom prst="rect">
+            <a:avLst/>
+          </a:prstGeom>
+          <a:noFill/>
+          <a:ln>
+            <a:noFill/>
+          </a:ln>
+          <a:extLst>
+            <a:ext uri="{909E8E84-426E-40DD-AFC4-6F175D3DCCD1}">
+              <a14:hiddenFill xmlns:a14="http://schemas.microsoft.com/office/drawing/2010/main">
+                <a:solidFill>
+                  <a:srgbClr val="FFFFFF"/>
+                </a:solidFill>
+              </a14:hiddenFill>
+            </a:ext>
+            <a:ext uri="{91240B29-F687-4F45-9708-019B960494DF}">
+              <a14:hiddenLine xmlns:a14="http://schemas.microsoft.com/office/drawing/2010/main" w="9525">
+                <a:solidFill>
+                  <a:srgbClr val="000000"/>
+                </a:solidFill>
+                <a:miter lim="800000"/>
+                <a:headEnd/>
+                <a:tailEnd/>
+              </a14:hiddenLine>
+            </a:ext>
+          </a:extLst>
+        </p:spPr>
+        <p:txBody>
+          <a:bodyPr anchor="ctr"/>
+          <a:lstStyle>
+            <a:lvl1pPr eaLnBrk="0" hangingPunct="0">
+              <a:defRPr>
+                <a:solidFill>
+                  <a:schemeClr val="tx1"/>
+                </a:solidFill>
+                <a:latin typeface="Arial" panose="020B0604020202020204" pitchFamily="34" charset="0"/>
+              </a:defRPr>
+            </a:lvl1pPr>
+            <a:lvl2pPr marL="742950" indent="-285750" eaLnBrk="0" hangingPunct="0">
+              <a:defRPr>
+                <a:solidFill>
+                  <a:schemeClr val="tx1"/>
+                </a:solidFill>
+                <a:latin typeface="Arial" panose="020B0604020202020204" pitchFamily="34" charset="0"/>
+              </a:defRPr>
+            </a:lvl2pPr>
+            <a:lvl3pPr marL="1143000" indent="-228600" eaLnBrk="0" hangingPunct="0">
+              <a:defRPr>
+                <a:solidFill>
+                  <a:schemeClr val="tx1"/>
+                </a:solidFill>
+                <a:latin typeface="Arial" panose="020B0604020202020204" pitchFamily="34" charset="0"/>
+              </a:defRPr>
+            </a:lvl3pPr>
+            <a:lvl4pPr marL="1600200" indent="-228600" eaLnBrk="0" hangingPunct="0">
+              <a:defRPr>
+                <a:solidFill>
+                  <a:schemeClr val="tx1"/>
+                </a:solidFill>
+                <a:latin typeface="Arial" panose="020B0604020202020204" pitchFamily="34" charset="0"/>
+              </a:defRPr>
+            </a:lvl4pPr>
+            <a:lvl5pPr marL="2057400" indent="-228600" eaLnBrk="0" hangingPunct="0">
+              <a:defRPr>
+                <a:solidFill>
+                  <a:schemeClr val="tx1"/>
+                </a:solidFill>
+                <a:latin typeface="Arial" panose="020B0604020202020204" pitchFamily="34" charset="0"/>
+              </a:defRPr>
+            </a:lvl5pPr>
+            <a:lvl6pPr marL="2514600" indent="-228600" eaLnBrk="0" fontAlgn="base" hangingPunct="0">
+              <a:spcBef>
+                <a:spcPct val="0"/>
+              </a:spcBef>
+              <a:spcAft>
+                <a:spcPct val="0"/>
+              </a:spcAft>
+              <a:defRPr>
+                <a:solidFill>
+                  <a:schemeClr val="tx1"/>
+                </a:solidFill>
+                <a:latin typeface="Arial" panose="020B0604020202020204" pitchFamily="34" charset="0"/>
+              </a:defRPr>
+            </a:lvl6pPr>
+            <a:lvl7pPr marL="2971800" indent="-228600" eaLnBrk="0" fontAlgn="base" hangingPunct="0">
+              <a:spcBef>
+                <a:spcPct val="0"/>
+              </a:spcBef>
+              <a:spcAft>
+                <a:spcPct val="0"/>
+              </a:spcAft>
+              <a:defRPr>
+                <a:solidFill>
+                  <a:schemeClr val="tx1"/>
+                </a:solidFill>
+                <a:latin typeface="Arial" panose="020B0604020202020204" pitchFamily="34" charset="0"/>
+              </a:defRPr>
+            </a:lvl7pPr>
+            <a:lvl8pPr marL="3429000" indent="-228600" eaLnBrk="0" fontAlgn="base" hangingPunct="0">
+              <a:spcBef>
+                <a:spcPct val="0"/>
+              </a:spcBef>
+              <a:spcAft>
+                <a:spcPct val="0"/>
+              </a:spcAft>
+              <a:defRPr>
+                <a:solidFill>
+                  <a:schemeClr val="tx1"/>
+                </a:solidFill>
+                <a:latin typeface="Arial" panose="020B0604020202020204" pitchFamily="34" charset="0"/>
+              </a:defRPr>
+            </a:lvl8pPr>
+            <a:lvl9pPr marL="3886200" indent="-228600" eaLnBrk="0" fontAlgn="base" hangingPunct="0">
+              <a:spcBef>
+                <a:spcPct val="0"/>
+              </a:spcBef>
+              <a:spcAft>
+                <a:spcPct val="0"/>
+              </a:spcAft>
+              <a:defRPr>
+                <a:solidFill>
+                  <a:schemeClr val="tx1"/>
+                </a:solidFill>
+                <a:latin typeface="Arial" panose="020B0604020202020204" pitchFamily="34" charset="0"/>
+              </a:defRPr>
+            </a:lvl9pPr>
+          </a:lstStyle>
+          <a:p>
+            <a:pPr algn="ctr" eaLnBrk="1" hangingPunct="1"/>
+            <a:r>
+              <a:rPr lang="en-US" altLang="en-US" sz="4400">
+                <a:solidFill>
+                  <a:schemeClr val="tx2"/>
+                </a:solidFill>
+                <a:cs typeface="Arial" panose="020B0604020202020204" pitchFamily="34" charset="0"/>
+              </a:rPr>
+              <a:t>Solution – (6 - 22)</a:t>
+            </a:r>
+            <a:endParaRPr lang="en-US" altLang="en-US" sz="4400">
+              <a:solidFill>
+                <a:schemeClr val="tx2"/>
+              </a:solidFill>
+            </a:endParaRPr>
+          </a:p>
+        </p:txBody>
+      </p:sp>
+      <p:pic>
+        <p:nvPicPr>
+          <p:cNvPr id="23555" name="Picture 4">
+            <a:extLst>
+              <a:ext uri="{FF2B5EF4-FFF2-40B4-BE49-F238E27FC236}">
+                <a16:creationId xmlns:a16="http://schemas.microsoft.com/office/drawing/2014/main" id="{C09366F0-0964-724D-FC72-AC3D7DC7A403}"/>
+              </a:ext>
+            </a:extLst>
+          </p:cNvPr>
+          <p:cNvPicPr>
+            <a:picLocks noChangeAspect="1" noChangeArrowheads="1"/>
+          </p:cNvPicPr>
+          <p:nvPr/>
+        </p:nvPicPr>
+        <p:blipFill>
+          <a:blip r:embed="rId2">
+            <a:extLst>
+              <a:ext uri="{28A0092B-C50C-407E-A947-70E740481C1C}">
+                <a14:useLocalDpi xmlns:a14="http://schemas.microsoft.com/office/drawing/2010/main" val="0"/>
+              </a:ext>
+            </a:extLst>
+          </a:blip>
+          <a:srcRect/>
+          <a:stretch>
+            <a:fillRect/>
+          </a:stretch>
+        </p:blipFill>
+        <p:spPr bwMode="auto">
+          <a:xfrm>
+            <a:off x="0" y="-304800"/>
+            <a:ext cx="9144000" cy="6629400"/>
+          </a:xfrm>
+          <a:prstGeom prst="rect">
+            <a:avLst/>
+          </a:prstGeom>
+          <a:noFill/>
+          <a:ln>
+            <a:noFill/>
+          </a:ln>
+          <a:extLst>
+            <a:ext uri="{909E8E84-426E-40DD-AFC4-6F175D3DCCD1}">
+              <a14:hiddenFill xmlns:a14="http://schemas.microsoft.com/office/drawing/2010/main">
+                <a:solidFill>
+                  <a:srgbClr val="FFFFFF"/>
+                </a:solidFill>
+              </a14:hiddenFill>
+            </a:ext>
+            <a:ext uri="{91240B29-F687-4F45-9708-019B960494DF}">
+              <a14:hiddenLine xmlns:a14="http://schemas.microsoft.com/office/drawing/2010/main" w="9525">
+                <a:solidFill>
+                  <a:srgbClr val="000000"/>
+                </a:solidFill>
+                <a:miter lim="800000"/>
+                <a:headEnd/>
+                <a:tailEnd/>
+              </a14:hiddenLine>
+            </a:ext>
+          </a:extLst>
+        </p:spPr>
+      </p:pic>
+    </p:spTree>
+  </p:cSld>
+  <p:clrMapOvr>
+    <a:masterClrMapping/>
+  </p:clrMapOvr>
+</p:sld>
+</file>
+
+<file path=ppt/slides/slide25.xml><?xml version="1.0" encoding="utf-8"?>
+<p:sld xmlns:a="http://schemas.openxmlformats.org/drawingml/2006/main" xmlns:r="http://schemas.openxmlformats.org/officeDocument/2006/relationships" xmlns:p="http://schemas.openxmlformats.org/presentationml/2006/main" showMasterSp="0">
+  <p:cSld>
+    <p:spTree>
+      <p:nvGrpSpPr>
+        <p:cNvPr id="1" name=""/>
+        <p:cNvGrpSpPr/>
+        <p:nvPr/>
+      </p:nvGrpSpPr>
+      <p:grpSpPr>
+        <a:xfrm>
+          <a:off x="0" y="0"/>
+          <a:ext cx="0" cy="0"/>
+          <a:chOff x="0" y="0"/>
+          <a:chExt cx="0" cy="0"/>
+        </a:xfrm>
+      </p:grpSpPr>
+      <p:sp>
+        <p:nvSpPr>
           <p:cNvPr id="24578" name="Rectangle 5">
             <a:extLst>
               <a:ext uri="{FF2B5EF4-FFF2-40B4-BE49-F238E27FC236}">
@@ -8337,169 +8656,6 @@
         </p:spPr>
       </p:pic>
     </p:spTree>
-  </p:cSld>
-  <p:clrMapOvr>
-    <a:masterClrMapping/>
-  </p:clrMapOvr>
-</p:sld>
-</file>
-
-<file path=ppt/slides/slide25.xml><?xml version="1.0" encoding="utf-8"?>
-<p:sld xmlns:a="http://schemas.openxmlformats.org/drawingml/2006/main" xmlns:r="http://schemas.openxmlformats.org/officeDocument/2006/relationships" xmlns:p="http://schemas.openxmlformats.org/presentationml/2006/main">
-  <p:cSld>
-    <p:spTree>
-      <p:nvGrpSpPr>
-        <p:cNvPr id="1" name=""/>
-        <p:cNvGrpSpPr/>
-        <p:nvPr/>
-      </p:nvGrpSpPr>
-      <p:grpSpPr>
-        <a:xfrm>
-          <a:off x="0" y="0"/>
-          <a:ext cx="0" cy="0"/>
-          <a:chOff x="0" y="0"/>
-          <a:chExt cx="0" cy="0"/>
-        </a:xfrm>
-      </p:grpSpPr>
-      <p:sp>
-        <p:nvSpPr>
-          <p:cNvPr id="4" name="Title 3">
-            <a:extLst>
-              <a:ext uri="{FF2B5EF4-FFF2-40B4-BE49-F238E27FC236}">
-                <a16:creationId xmlns:a16="http://schemas.microsoft.com/office/drawing/2014/main" id="{4807257C-B35A-0476-4896-6750F5478558}"/>
-              </a:ext>
-            </a:extLst>
-          </p:cNvPr>
-          <p:cNvSpPr>
-            <a:spLocks noGrp="1"/>
-          </p:cNvSpPr>
-          <p:nvPr>
-            <p:ph type="title"/>
-          </p:nvPr>
-        </p:nvSpPr>
-        <p:spPr/>
-        <p:txBody>
-          <a:bodyPr/>
-          <a:lstStyle/>
-          <a:p>
-            <a:r>
-              <a:rPr lang="en-US" dirty="0"/>
-              <a:t>Create Circuits from the following Expressions</a:t>
-            </a:r>
-          </a:p>
-        </p:txBody>
-      </p:sp>
-      <p:sp>
-        <p:nvSpPr>
-          <p:cNvPr id="5" name="Content Placeholder 4">
-            <a:extLst>
-              <a:ext uri="{FF2B5EF4-FFF2-40B4-BE49-F238E27FC236}">
-                <a16:creationId xmlns:a16="http://schemas.microsoft.com/office/drawing/2014/main" id="{0D779F97-BC94-CD0D-575F-B214FE31EC74}"/>
-              </a:ext>
-            </a:extLst>
-          </p:cNvPr>
-          <p:cNvSpPr>
-            <a:spLocks noGrp="1"/>
-          </p:cNvSpPr>
-          <p:nvPr>
-            <p:ph idx="1"/>
-          </p:nvPr>
-        </p:nvSpPr>
-        <p:spPr/>
-        <p:txBody>
-          <a:bodyPr/>
-          <a:lstStyle/>
-          <a:p>
-            <a:pPr marL="514350" indent="-514350">
-              <a:buFont typeface="+mj-lt"/>
-              <a:buAutoNum type="arabicPeriod"/>
-            </a:pPr>
-            <a:r>
-              <a:rPr lang="en-AU" dirty="0"/>
-              <a:t>(P∧Q)∨(¬P∧Q)∧(P∧¬Q) </a:t>
-            </a:r>
-          </a:p>
-          <a:p>
-            <a:pPr marL="514350" indent="-514350">
-              <a:buFont typeface="+mj-lt"/>
-              <a:buAutoNum type="arabicPeriod"/>
-            </a:pPr>
-            <a:r>
-              <a:rPr lang="en-AU" dirty="0"/>
-              <a:t>(P∨Q)∧(P∨¬R)∧(¬Q∨R) </a:t>
-            </a:r>
-          </a:p>
-          <a:p>
-            <a:pPr marL="514350" indent="-514350">
-              <a:buFont typeface="+mj-lt"/>
-              <a:buAutoNum type="arabicPeriod"/>
-            </a:pPr>
-            <a:r>
-              <a:rPr lang="en-AU" dirty="0"/>
-              <a:t>(P∨Q)∧(¬P∨Q)∧(P∨¬Q)</a:t>
-            </a:r>
-          </a:p>
-          <a:p>
-            <a:pPr marL="514350" indent="-514350">
-              <a:buFont typeface="+mj-lt"/>
-              <a:buAutoNum type="arabicPeriod"/>
-            </a:pPr>
-            <a:r>
-              <a:rPr lang="en-AU" dirty="0"/>
-              <a:t>(¬P∧¬Q)∨(P∧Q)∨(P∧¬Q) </a:t>
-            </a:r>
-          </a:p>
-          <a:p>
-            <a:pPr marL="514350" indent="-514350">
-              <a:buFont typeface="+mj-lt"/>
-              <a:buAutoNum type="arabicPeriod"/>
-            </a:pPr>
-            <a:r>
-              <a:rPr lang="en-AU" dirty="0"/>
-              <a:t>(¬P∨Q)∧(P∧¬Q)∧(¬P∨¬Q) </a:t>
-            </a:r>
-          </a:p>
-          <a:p>
-            <a:endParaRPr lang="en-US" dirty="0"/>
-          </a:p>
-        </p:txBody>
-      </p:sp>
-      <p:sp>
-        <p:nvSpPr>
-          <p:cNvPr id="3" name="Slide Number Placeholder 2">
-            <a:extLst>
-              <a:ext uri="{FF2B5EF4-FFF2-40B4-BE49-F238E27FC236}">
-                <a16:creationId xmlns:a16="http://schemas.microsoft.com/office/drawing/2014/main" id="{256513C6-FE3B-EC07-E5F1-201C06BAE409}"/>
-              </a:ext>
-            </a:extLst>
-          </p:cNvPr>
-          <p:cNvSpPr>
-            <a:spLocks noGrp="1"/>
-          </p:cNvSpPr>
-          <p:nvPr>
-            <p:ph type="sldNum" sz="quarter" idx="12"/>
-          </p:nvPr>
-        </p:nvSpPr>
-        <p:spPr/>
-        <p:txBody>
-          <a:bodyPr/>
-          <a:lstStyle/>
-          <a:p>
-            <a:fld id="{549F2ED6-EF28-7C4A-9C76-91AFE1B8A6C0}" type="slidenum">
-              <a:rPr lang="en-US" altLang="en-US" smtClean="0"/>
-              <a:pPr/>
-              <a:t>25</a:t>
-            </a:fld>
-            <a:endParaRPr lang="en-US" altLang="en-US"/>
-          </a:p>
-        </p:txBody>
-      </p:sp>
-    </p:spTree>
-    <p:extLst>
-      <p:ext uri="{BB962C8B-B14F-4D97-AF65-F5344CB8AC3E}">
-        <p14:creationId xmlns:p14="http://schemas.microsoft.com/office/powerpoint/2010/main" val="3565310087"/>
-      </p:ext>
-    </p:extLst>
   </p:cSld>
   <p:clrMapOvr>
     <a:masterClrMapping/>
@@ -8526,10 +8682,10 @@
       </p:grpSpPr>
       <p:sp>
         <p:nvSpPr>
-          <p:cNvPr id="2" name="Title 1">
+          <p:cNvPr id="4" name="Title 3">
             <a:extLst>
               <a:ext uri="{FF2B5EF4-FFF2-40B4-BE49-F238E27FC236}">
-                <a16:creationId xmlns:a16="http://schemas.microsoft.com/office/drawing/2014/main" id="{92451635-1CF3-036B-5AB6-B154DD69A469}"/>
+                <a16:creationId xmlns:a16="http://schemas.microsoft.com/office/drawing/2014/main" id="{4807257C-B35A-0476-4896-6750F5478558}"/>
               </a:ext>
             </a:extLst>
           </p:cNvPr>
@@ -8547,17 +8703,92 @@
           <a:p>
             <a:r>
               <a:rPr lang="en-US" dirty="0"/>
-              <a:t>Convert the following circuit into Logical Statements (1)</a:t>
+              <a:t>Create Circuits from the following Expressions</a:t>
             </a:r>
           </a:p>
         </p:txBody>
       </p:sp>
       <p:sp>
         <p:nvSpPr>
-          <p:cNvPr id="5" name="Slide Number Placeholder 4">
+          <p:cNvPr id="5" name="Content Placeholder 4">
             <a:extLst>
               <a:ext uri="{FF2B5EF4-FFF2-40B4-BE49-F238E27FC236}">
-                <a16:creationId xmlns:a16="http://schemas.microsoft.com/office/drawing/2014/main" id="{B72CBECA-F6AA-4880-B752-5C0AF93BD21C}"/>
+                <a16:creationId xmlns:a16="http://schemas.microsoft.com/office/drawing/2014/main" id="{0D779F97-BC94-CD0D-575F-B214FE31EC74}"/>
+              </a:ext>
+            </a:extLst>
+          </p:cNvPr>
+          <p:cNvSpPr>
+            <a:spLocks noGrp="1"/>
+          </p:cNvSpPr>
+          <p:nvPr>
+            <p:ph idx="1"/>
+          </p:nvPr>
+        </p:nvSpPr>
+        <p:spPr/>
+        <p:txBody>
+          <a:bodyPr/>
+          <a:lstStyle/>
+          <a:p>
+            <a:pPr marL="514350" indent="-514350">
+              <a:buFont typeface="+mj-lt"/>
+              <a:buAutoNum type="arabicPeriod"/>
+            </a:pPr>
+            <a:r>
+              <a:rPr lang="en-AU" dirty="0"/>
+              <a:t>(P∧Q)∨(¬P∧Q)∧(P∧¬Q) </a:t>
+            </a:r>
+          </a:p>
+          <a:p>
+            <a:pPr marL="514350" indent="-514350">
+              <a:buFont typeface="+mj-lt"/>
+              <a:buAutoNum type="arabicPeriod"/>
+            </a:pPr>
+            <a:r>
+              <a:rPr lang="en-AU" dirty="0"/>
+              <a:t>(P∨Q)∧(P∨¬R)∧(¬Q∨R) </a:t>
+            </a:r>
+          </a:p>
+          <a:p>
+            <a:pPr marL="514350" indent="-514350">
+              <a:buFont typeface="+mj-lt"/>
+              <a:buAutoNum type="arabicPeriod"/>
+            </a:pPr>
+            <a:r>
+              <a:rPr lang="en-AU" dirty="0"/>
+              <a:t>(P∨Q)∧(¬P∨Q)∧(P∨¬Q)</a:t>
+            </a:r>
+          </a:p>
+          <a:p>
+            <a:pPr marL="514350" indent="-514350">
+              <a:buFont typeface="+mj-lt"/>
+              <a:buAutoNum type="arabicPeriod"/>
+            </a:pPr>
+            <a:r>
+              <a:rPr lang="en-AU" dirty="0"/>
+              <a:t>(¬P∧¬Q)∨(P∧Q)∨(P∧¬Q) </a:t>
+            </a:r>
+          </a:p>
+          <a:p>
+            <a:pPr marL="514350" indent="-514350">
+              <a:buFont typeface="+mj-lt"/>
+              <a:buAutoNum type="arabicPeriod"/>
+            </a:pPr>
+            <a:r>
+              <a:rPr lang="en-AU" dirty="0"/>
+              <a:t>(¬P∨Q)∧(P∧¬Q)∧(¬P∨¬Q) </a:t>
+            </a:r>
+          </a:p>
+          <a:p>
+            <a:endParaRPr lang="en-US" dirty="0"/>
+          </a:p>
+        </p:txBody>
+      </p:sp>
+      <p:sp>
+        <p:nvSpPr>
+          <p:cNvPr id="3" name="Slide Number Placeholder 2">
+            <a:extLst>
+              <a:ext uri="{FF2B5EF4-FFF2-40B4-BE49-F238E27FC236}">
+                <a16:creationId xmlns:a16="http://schemas.microsoft.com/office/drawing/2014/main" id="{256513C6-FE3B-EC07-E5F1-201C06BAE409}"/>
               </a:ext>
             </a:extLst>
           </p:cNvPr>
@@ -8573,10 +8804,98 @@
           <a:bodyPr/>
           <a:lstStyle/>
           <a:p>
+            <a:fld id="{549F2ED6-EF28-7C4A-9C76-91AFE1B8A6C0}" type="slidenum">
+              <a:rPr lang="en-US" altLang="en-US" smtClean="0"/>
+              <a:pPr/>
+              <a:t>26</a:t>
+            </a:fld>
+            <a:endParaRPr lang="en-US" altLang="en-US"/>
+          </a:p>
+        </p:txBody>
+      </p:sp>
+    </p:spTree>
+    <p:extLst>
+      <p:ext uri="{BB962C8B-B14F-4D97-AF65-F5344CB8AC3E}">
+        <p14:creationId xmlns:p14="http://schemas.microsoft.com/office/powerpoint/2010/main" val="3565310087"/>
+      </p:ext>
+    </p:extLst>
+  </p:cSld>
+  <p:clrMapOvr>
+    <a:masterClrMapping/>
+  </p:clrMapOvr>
+</p:sld>
+</file>
+
+<file path=ppt/slides/slide27.xml><?xml version="1.0" encoding="utf-8"?>
+<p:sld xmlns:a="http://schemas.openxmlformats.org/drawingml/2006/main" xmlns:r="http://schemas.openxmlformats.org/officeDocument/2006/relationships" xmlns:p="http://schemas.openxmlformats.org/presentationml/2006/main">
+  <p:cSld>
+    <p:spTree>
+      <p:nvGrpSpPr>
+        <p:cNvPr id="1" name=""/>
+        <p:cNvGrpSpPr/>
+        <p:nvPr/>
+      </p:nvGrpSpPr>
+      <p:grpSpPr>
+        <a:xfrm>
+          <a:off x="0" y="0"/>
+          <a:ext cx="0" cy="0"/>
+          <a:chOff x="0" y="0"/>
+          <a:chExt cx="0" cy="0"/>
+        </a:xfrm>
+      </p:grpSpPr>
+      <p:sp>
+        <p:nvSpPr>
+          <p:cNvPr id="2" name="Title 1">
+            <a:extLst>
+              <a:ext uri="{FF2B5EF4-FFF2-40B4-BE49-F238E27FC236}">
+                <a16:creationId xmlns:a16="http://schemas.microsoft.com/office/drawing/2014/main" id="{92451635-1CF3-036B-5AB6-B154DD69A469}"/>
+              </a:ext>
+            </a:extLst>
+          </p:cNvPr>
+          <p:cNvSpPr>
+            <a:spLocks noGrp="1"/>
+          </p:cNvSpPr>
+          <p:nvPr>
+            <p:ph type="title"/>
+          </p:nvPr>
+        </p:nvSpPr>
+        <p:spPr/>
+        <p:txBody>
+          <a:bodyPr/>
+          <a:lstStyle/>
+          <a:p>
+            <a:r>
+              <a:rPr lang="en-US" dirty="0"/>
+              <a:t>Convert the following circuit into Logical Statements (1)</a:t>
+            </a:r>
+          </a:p>
+        </p:txBody>
+      </p:sp>
+      <p:sp>
+        <p:nvSpPr>
+          <p:cNvPr id="5" name="Slide Number Placeholder 4">
+            <a:extLst>
+              <a:ext uri="{FF2B5EF4-FFF2-40B4-BE49-F238E27FC236}">
+                <a16:creationId xmlns:a16="http://schemas.microsoft.com/office/drawing/2014/main" id="{B72CBECA-F6AA-4880-B752-5C0AF93BD21C}"/>
+              </a:ext>
+            </a:extLst>
+          </p:cNvPr>
+          <p:cNvSpPr>
+            <a:spLocks noGrp="1"/>
+          </p:cNvSpPr>
+          <p:nvPr>
+            <p:ph type="sldNum" sz="quarter" idx="12"/>
+          </p:nvPr>
+        </p:nvSpPr>
+        <p:spPr/>
+        <p:txBody>
+          <a:bodyPr/>
+          <a:lstStyle/>
+          <a:p>
             <a:fld id="{5964AFBC-0889-DB47-8F10-92D9F06DD77D}" type="slidenum">
               <a:rPr lang="en-US" altLang="en-US" smtClean="0"/>
               <a:pPr/>
-              <a:t>26</a:t>
+              <a:t>27</a:t>
             </a:fld>
             <a:endParaRPr lang="en-US" altLang="en-US"/>
           </a:p>
@@ -8642,7 +8961,7 @@
 </p:sld>
 </file>
 
-<file path=ppt/slides/slide27.xml><?xml version="1.0" encoding="utf-8"?>
+<file path=ppt/slides/slide28.xml><?xml version="1.0" encoding="utf-8"?>
 <p:sld xmlns:a="http://schemas.openxmlformats.org/drawingml/2006/main" xmlns:r="http://schemas.openxmlformats.org/officeDocument/2006/relationships" xmlns:p="http://schemas.openxmlformats.org/presentationml/2006/main">
   <p:cSld>
     <p:spTree>
@@ -8717,7 +9036,7 @@
             <a:fld id="{5964AFBC-0889-DB47-8F10-92D9F06DD77D}" type="slidenum">
               <a:rPr lang="en-US" altLang="en-US" smtClean="0"/>
               <a:pPr/>
-              <a:t>27</a:t>
+              <a:t>28</a:t>
             </a:fld>
             <a:endParaRPr lang="en-US" altLang="en-US"/>
           </a:p>
@@ -8783,7 +9102,7 @@
 </p:sld>
 </file>
 
-<file path=ppt/slides/slide28.xml><?xml version="1.0" encoding="utf-8"?>
+<file path=ppt/slides/slide29.xml><?xml version="1.0" encoding="utf-8"?>
 <p:sld xmlns:a="http://schemas.openxmlformats.org/drawingml/2006/main" xmlns:r="http://schemas.openxmlformats.org/officeDocument/2006/relationships" xmlns:p="http://schemas.openxmlformats.org/presentationml/2006/main">
   <p:cSld>
     <p:spTree>
@@ -8858,7 +9177,7 @@
             <a:fld id="{5964AFBC-0889-DB47-8F10-92D9F06DD77D}" type="slidenum">
               <a:rPr lang="en-US" altLang="en-US" smtClean="0"/>
               <a:pPr/>
-              <a:t>28</a:t>
+              <a:t>29</a:t>
             </a:fld>
             <a:endParaRPr lang="en-US" altLang="en-US"/>
           </a:p>
@@ -8915,99 +9234,6 @@
     <p:extLst>
       <p:ext uri="{BB962C8B-B14F-4D97-AF65-F5344CB8AC3E}">
         <p14:creationId xmlns:p14="http://schemas.microsoft.com/office/powerpoint/2010/main" val="3908742665"/>
-      </p:ext>
-    </p:extLst>
-  </p:cSld>
-  <p:clrMapOvr>
-    <a:masterClrMapping/>
-  </p:clrMapOvr>
-</p:sld>
-</file>
-
-<file path=ppt/slides/slide29.xml><?xml version="1.0" encoding="utf-8"?>
-<p:sld xmlns:a="http://schemas.openxmlformats.org/drawingml/2006/main" xmlns:r="http://schemas.openxmlformats.org/officeDocument/2006/relationships" xmlns:p="http://schemas.openxmlformats.org/presentationml/2006/main">
-  <p:cSld>
-    <p:spTree>
-      <p:nvGrpSpPr>
-        <p:cNvPr id="1" name=""/>
-        <p:cNvGrpSpPr/>
-        <p:nvPr/>
-      </p:nvGrpSpPr>
-      <p:grpSpPr>
-        <a:xfrm>
-          <a:off x="0" y="0"/>
-          <a:ext cx="0" cy="0"/>
-          <a:chOff x="0" y="0"/>
-          <a:chExt cx="0" cy="0"/>
-        </a:xfrm>
-      </p:grpSpPr>
-      <p:sp>
-        <p:nvSpPr>
-          <p:cNvPr id="4" name="Title 3">
-            <a:extLst>
-              <a:ext uri="{FF2B5EF4-FFF2-40B4-BE49-F238E27FC236}">
-                <a16:creationId xmlns:a16="http://schemas.microsoft.com/office/drawing/2014/main" id="{572FCBCD-268E-5267-8D8E-6795805754BC}"/>
-              </a:ext>
-            </a:extLst>
-          </p:cNvPr>
-          <p:cNvSpPr>
-            <a:spLocks noGrp="1"/>
-          </p:cNvSpPr>
-          <p:nvPr>
-            <p:ph type="title"/>
-          </p:nvPr>
-        </p:nvSpPr>
-        <p:spPr>
-          <a:xfrm>
-            <a:off x="685800" y="2747962"/>
-            <a:ext cx="7772400" cy="1362075"/>
-          </a:xfrm>
-        </p:spPr>
-        <p:txBody>
-          <a:bodyPr/>
-          <a:lstStyle/>
-          <a:p>
-            <a:r>
-              <a:rPr lang="en-US" dirty="0"/>
-              <a:t>Home Practice </a:t>
-            </a:r>
-          </a:p>
-        </p:txBody>
-      </p:sp>
-      <p:sp>
-        <p:nvSpPr>
-          <p:cNvPr id="3" name="Slide Number Placeholder 2">
-            <a:extLst>
-              <a:ext uri="{FF2B5EF4-FFF2-40B4-BE49-F238E27FC236}">
-                <a16:creationId xmlns:a16="http://schemas.microsoft.com/office/drawing/2014/main" id="{33420D7B-DCEB-46FE-9EFD-5C91A438AEBF}"/>
-              </a:ext>
-            </a:extLst>
-          </p:cNvPr>
-          <p:cNvSpPr>
-            <a:spLocks noGrp="1"/>
-          </p:cNvSpPr>
-          <p:nvPr>
-            <p:ph type="sldNum" sz="quarter" idx="12"/>
-          </p:nvPr>
-        </p:nvSpPr>
-        <p:spPr/>
-        <p:txBody>
-          <a:bodyPr/>
-          <a:lstStyle/>
-          <a:p>
-            <a:fld id="{549F2ED6-EF28-7C4A-9C76-91AFE1B8A6C0}" type="slidenum">
-              <a:rPr lang="en-US" altLang="en-US" smtClean="0"/>
-              <a:pPr/>
-              <a:t>29</a:t>
-            </a:fld>
-            <a:endParaRPr lang="en-US" altLang="en-US"/>
-          </a:p>
-        </p:txBody>
-      </p:sp>
-    </p:spTree>
-    <p:extLst>
-      <p:ext uri="{BB962C8B-B14F-4D97-AF65-F5344CB8AC3E}">
-        <p14:creationId xmlns:p14="http://schemas.microsoft.com/office/powerpoint/2010/main" val="2533221067"/>
       </p:ext>
     </p:extLst>
   </p:cSld>
@@ -9268,7 +9494,7 @@
 </file>
 
 <file path=ppt/slides/slide30.xml><?xml version="1.0" encoding="utf-8"?>
-<p:sld xmlns:a="http://schemas.openxmlformats.org/drawingml/2006/main" xmlns:r="http://schemas.openxmlformats.org/officeDocument/2006/relationships" xmlns:p="http://schemas.openxmlformats.org/presentationml/2006/main" showMasterSp="0">
+<p:sld xmlns:a="http://schemas.openxmlformats.org/drawingml/2006/main" xmlns:r="http://schemas.openxmlformats.org/officeDocument/2006/relationships" xmlns:p="http://schemas.openxmlformats.org/presentationml/2006/main">
   <p:cSld>
     <p:spTree>
       <p:nvGrpSpPr>
@@ -9286,230 +9512,73 @@
       </p:grpSpPr>
       <p:sp>
         <p:nvSpPr>
-          <p:cNvPr id="25602" name="Rectangle 6">
+          <p:cNvPr id="4" name="Title 3">
             <a:extLst>
               <a:ext uri="{FF2B5EF4-FFF2-40B4-BE49-F238E27FC236}">
-                <a16:creationId xmlns:a16="http://schemas.microsoft.com/office/drawing/2014/main" id="{3E40882F-AA1B-BFAA-C112-44AB10426596}"/>
+                <a16:creationId xmlns:a16="http://schemas.microsoft.com/office/drawing/2014/main" id="{572FCBCD-268E-5267-8D8E-6795805754BC}"/>
               </a:ext>
             </a:extLst>
           </p:cNvPr>
           <p:cNvSpPr>
-            <a:spLocks noChangeArrowheads="1"/>
+            <a:spLocks noGrp="1"/>
           </p:cNvSpPr>
-          <p:nvPr/>
+          <p:nvPr>
+            <p:ph type="title"/>
+          </p:nvPr>
         </p:nvSpPr>
-        <p:spPr bwMode="auto">
+        <p:spPr>
           <a:xfrm>
-            <a:off x="457200" y="263525"/>
-            <a:ext cx="8229600" cy="1143000"/>
+            <a:off x="685800" y="2747962"/>
+            <a:ext cx="7772400" cy="1362075"/>
           </a:xfrm>
-          <a:prstGeom prst="rect">
-            <a:avLst/>
-          </a:prstGeom>
-          <a:noFill/>
-          <a:ln>
-            <a:noFill/>
-          </a:ln>
-          <a:extLst>
-            <a:ext uri="{909E8E84-426E-40DD-AFC4-6F175D3DCCD1}">
-              <a14:hiddenFill xmlns:a14="http://schemas.microsoft.com/office/drawing/2010/main">
-                <a:solidFill>
-                  <a:srgbClr val="FFFFFF"/>
-                </a:solidFill>
-              </a14:hiddenFill>
-            </a:ext>
-            <a:ext uri="{91240B29-F687-4F45-9708-019B960494DF}">
-              <a14:hiddenLine xmlns:a14="http://schemas.microsoft.com/office/drawing/2010/main" w="9525">
-                <a:solidFill>
-                  <a:srgbClr val="000000"/>
-                </a:solidFill>
-                <a:miter lim="800000"/>
-                <a:headEnd/>
-                <a:tailEnd/>
-              </a14:hiddenLine>
-            </a:ext>
-          </a:extLst>
         </p:spPr>
         <p:txBody>
-          <a:bodyPr anchor="ctr"/>
-          <a:lstStyle>
-            <a:lvl1pPr eaLnBrk="0" hangingPunct="0">
-              <a:defRPr>
-                <a:solidFill>
-                  <a:schemeClr val="tx1"/>
-                </a:solidFill>
-                <a:latin typeface="Arial" panose="020B0604020202020204" pitchFamily="34" charset="0"/>
-              </a:defRPr>
-            </a:lvl1pPr>
-            <a:lvl2pPr marL="742950" indent="-285750" eaLnBrk="0" hangingPunct="0">
-              <a:defRPr>
-                <a:solidFill>
-                  <a:schemeClr val="tx1"/>
-                </a:solidFill>
-                <a:latin typeface="Arial" panose="020B0604020202020204" pitchFamily="34" charset="0"/>
-              </a:defRPr>
-            </a:lvl2pPr>
-            <a:lvl3pPr marL="1143000" indent="-228600" eaLnBrk="0" hangingPunct="0">
-              <a:defRPr>
-                <a:solidFill>
-                  <a:schemeClr val="tx1"/>
-                </a:solidFill>
-                <a:latin typeface="Arial" panose="020B0604020202020204" pitchFamily="34" charset="0"/>
-              </a:defRPr>
-            </a:lvl3pPr>
-            <a:lvl4pPr marL="1600200" indent="-228600" eaLnBrk="0" hangingPunct="0">
-              <a:defRPr>
-                <a:solidFill>
-                  <a:schemeClr val="tx1"/>
-                </a:solidFill>
-                <a:latin typeface="Arial" panose="020B0604020202020204" pitchFamily="34" charset="0"/>
-              </a:defRPr>
-            </a:lvl4pPr>
-            <a:lvl5pPr marL="2057400" indent="-228600" eaLnBrk="0" hangingPunct="0">
-              <a:defRPr>
-                <a:solidFill>
-                  <a:schemeClr val="tx1"/>
-                </a:solidFill>
-                <a:latin typeface="Arial" panose="020B0604020202020204" pitchFamily="34" charset="0"/>
-              </a:defRPr>
-            </a:lvl5pPr>
-            <a:lvl6pPr marL="2514600" indent="-228600" eaLnBrk="0" fontAlgn="base" hangingPunct="0">
-              <a:spcBef>
-                <a:spcPct val="0"/>
-              </a:spcBef>
-              <a:spcAft>
-                <a:spcPct val="0"/>
-              </a:spcAft>
-              <a:defRPr>
-                <a:solidFill>
-                  <a:schemeClr val="tx1"/>
-                </a:solidFill>
-                <a:latin typeface="Arial" panose="020B0604020202020204" pitchFamily="34" charset="0"/>
-              </a:defRPr>
-            </a:lvl6pPr>
-            <a:lvl7pPr marL="2971800" indent="-228600" eaLnBrk="0" fontAlgn="base" hangingPunct="0">
-              <a:spcBef>
-                <a:spcPct val="0"/>
-              </a:spcBef>
-              <a:spcAft>
-                <a:spcPct val="0"/>
-              </a:spcAft>
-              <a:defRPr>
-                <a:solidFill>
-                  <a:schemeClr val="tx1"/>
-                </a:solidFill>
-                <a:latin typeface="Arial" panose="020B0604020202020204" pitchFamily="34" charset="0"/>
-              </a:defRPr>
-            </a:lvl7pPr>
-            <a:lvl8pPr marL="3429000" indent="-228600" eaLnBrk="0" fontAlgn="base" hangingPunct="0">
-              <a:spcBef>
-                <a:spcPct val="0"/>
-              </a:spcBef>
-              <a:spcAft>
-                <a:spcPct val="0"/>
-              </a:spcAft>
-              <a:defRPr>
-                <a:solidFill>
-                  <a:schemeClr val="tx1"/>
-                </a:solidFill>
-                <a:latin typeface="Arial" panose="020B0604020202020204" pitchFamily="34" charset="0"/>
-              </a:defRPr>
-            </a:lvl8pPr>
-            <a:lvl9pPr marL="3886200" indent="-228600" eaLnBrk="0" fontAlgn="base" hangingPunct="0">
-              <a:spcBef>
-                <a:spcPct val="0"/>
-              </a:spcBef>
-              <a:spcAft>
-                <a:spcPct val="0"/>
-              </a:spcAft>
-              <a:defRPr>
-                <a:solidFill>
-                  <a:schemeClr val="tx1"/>
-                </a:solidFill>
-                <a:latin typeface="Arial" panose="020B0604020202020204" pitchFamily="34" charset="0"/>
-              </a:defRPr>
-            </a:lvl9pPr>
-          </a:lstStyle>
-          <a:p>
-            <a:pPr algn="ctr" eaLnBrk="1" hangingPunct="1"/>
+          <a:bodyPr/>
+          <a:lstStyle/>
+          <a:p>
             <a:r>
-              <a:rPr lang="en-US" altLang="en-US" sz="4400">
-                <a:solidFill>
-                  <a:schemeClr val="tx2"/>
-                </a:solidFill>
-                <a:cs typeface="Arial" panose="020B0604020202020204" pitchFamily="34" charset="0"/>
-              </a:rPr>
-              <a:t>Exercise – (6 – 24b)</a:t>
+              <a:rPr lang="en-US" dirty="0"/>
+              <a:t>Home Practice </a:t>
             </a:r>
-            <a:endParaRPr lang="en-US" altLang="en-US" sz="4400">
-              <a:solidFill>
-                <a:schemeClr val="tx2"/>
-              </a:solidFill>
-            </a:endParaRPr>
           </a:p>
         </p:txBody>
       </p:sp>
-      <p:pic>
-        <p:nvPicPr>
-          <p:cNvPr id="25603" name="Picture 4">
+      <p:sp>
+        <p:nvSpPr>
+          <p:cNvPr id="3" name="Slide Number Placeholder 2">
             <a:extLst>
               <a:ext uri="{FF2B5EF4-FFF2-40B4-BE49-F238E27FC236}">
-                <a16:creationId xmlns:a16="http://schemas.microsoft.com/office/drawing/2014/main" id="{410A8C91-57DB-DAA6-6C3A-A0844202B5D8}"/>
+                <a16:creationId xmlns:a16="http://schemas.microsoft.com/office/drawing/2014/main" id="{33420D7B-DCEB-46FE-9EFD-5C91A438AEBF}"/>
               </a:ext>
             </a:extLst>
           </p:cNvPr>
-          <p:cNvPicPr>
-            <a:picLocks noChangeAspect="1" noChangeArrowheads="1"/>
-          </p:cNvPicPr>
-          <p:nvPr/>
-        </p:nvPicPr>
-        <p:blipFill>
-          <a:blip r:embed="rId2">
-            <a:extLst>
-              <a:ext uri="{28A0092B-C50C-407E-A947-70E740481C1C}">
-                <a14:useLocalDpi xmlns:a14="http://schemas.microsoft.com/office/drawing/2010/main" val="0"/>
-              </a:ext>
-            </a:extLst>
-          </a:blip>
-          <a:srcRect/>
-          <a:stretch>
-            <a:fillRect/>
-          </a:stretch>
-        </p:blipFill>
-        <p:spPr bwMode="auto">
-          <a:xfrm>
-            <a:off x="0" y="-533400"/>
-            <a:ext cx="9144000" cy="6781800"/>
-          </a:xfrm>
-          <a:prstGeom prst="rect">
-            <a:avLst/>
-          </a:prstGeom>
-          <a:noFill/>
-          <a:ln>
-            <a:noFill/>
-          </a:ln>
-          <a:extLst>
-            <a:ext uri="{909E8E84-426E-40DD-AFC4-6F175D3DCCD1}">
-              <a14:hiddenFill xmlns:a14="http://schemas.microsoft.com/office/drawing/2010/main">
-                <a:solidFill>
-                  <a:srgbClr val="FFFFFF"/>
-                </a:solidFill>
-              </a14:hiddenFill>
-            </a:ext>
-            <a:ext uri="{91240B29-F687-4F45-9708-019B960494DF}">
-              <a14:hiddenLine xmlns:a14="http://schemas.microsoft.com/office/drawing/2010/main" w="9525">
-                <a:solidFill>
-                  <a:srgbClr val="000000"/>
-                </a:solidFill>
-                <a:miter lim="800000"/>
-                <a:headEnd/>
-                <a:tailEnd/>
-              </a14:hiddenLine>
-            </a:ext>
-          </a:extLst>
-        </p:spPr>
-      </p:pic>
+          <p:cNvSpPr>
+            <a:spLocks noGrp="1"/>
+          </p:cNvSpPr>
+          <p:nvPr>
+            <p:ph type="sldNum" sz="quarter" idx="12"/>
+          </p:nvPr>
+        </p:nvSpPr>
+        <p:spPr/>
+        <p:txBody>
+          <a:bodyPr/>
+          <a:lstStyle/>
+          <a:p>
+            <a:fld id="{549F2ED6-EF28-7C4A-9C76-91AFE1B8A6C0}" type="slidenum">
+              <a:rPr lang="en-US" altLang="en-US" smtClean="0"/>
+              <a:pPr/>
+              <a:t>30</a:t>
+            </a:fld>
+            <a:endParaRPr lang="en-US" altLang="en-US"/>
+          </a:p>
+        </p:txBody>
+      </p:sp>
     </p:spTree>
+    <p:extLst>
+      <p:ext uri="{BB962C8B-B14F-4D97-AF65-F5344CB8AC3E}">
+        <p14:creationId xmlns:p14="http://schemas.microsoft.com/office/powerpoint/2010/main" val="2533221067"/>
+      </p:ext>
+    </p:extLst>
   </p:cSld>
   <p:clrMapOvr>
     <a:masterClrMapping/>
@@ -9536,10 +9605,10 @@
       </p:grpSpPr>
       <p:sp>
         <p:nvSpPr>
-          <p:cNvPr id="26626" name="Rectangle 5">
+          <p:cNvPr id="25602" name="Rectangle 6">
             <a:extLst>
               <a:ext uri="{FF2B5EF4-FFF2-40B4-BE49-F238E27FC236}">
-                <a16:creationId xmlns:a16="http://schemas.microsoft.com/office/drawing/2014/main" id="{7928ADAF-A7EC-D8FB-AF4C-DF764F5B33E7}"/>
+                <a16:creationId xmlns:a16="http://schemas.microsoft.com/office/drawing/2014/main" id="{3E40882F-AA1B-BFAA-C112-44AB10426596}"/>
               </a:ext>
             </a:extLst>
           </p:cNvPr>
@@ -9550,7 +9619,7 @@
         </p:nvSpPr>
         <p:spPr bwMode="auto">
           <a:xfrm>
-            <a:off x="457200" y="268288"/>
+            <a:off x="457200" y="263525"/>
             <a:ext cx="8229600" cy="1143000"/>
           </a:xfrm>
           <a:prstGeom prst="rect">
@@ -9689,7 +9758,7 @@
                 </a:solidFill>
                 <a:cs typeface="Arial" panose="020B0604020202020204" pitchFamily="34" charset="0"/>
               </a:rPr>
-              <a:t>Exercise - (6 - 24)</a:t>
+              <a:t>Exercise – (6 – 24b)</a:t>
             </a:r>
             <a:endParaRPr lang="en-US" altLang="en-US" sz="4400">
               <a:solidFill>
@@ -9701,10 +9770,10 @@
       </p:sp>
       <p:pic>
         <p:nvPicPr>
-          <p:cNvPr id="26627" name="Picture 4">
+          <p:cNvPr id="25603" name="Picture 4">
             <a:extLst>
               <a:ext uri="{FF2B5EF4-FFF2-40B4-BE49-F238E27FC236}">
-                <a16:creationId xmlns:a16="http://schemas.microsoft.com/office/drawing/2014/main" id="{C0513D01-A39E-8CCF-000D-C01845DBD76E}"/>
+                <a16:creationId xmlns:a16="http://schemas.microsoft.com/office/drawing/2014/main" id="{410A8C91-57DB-DAA6-6C3A-A0844202B5D8}"/>
               </a:ext>
             </a:extLst>
           </p:cNvPr>
@@ -9728,8 +9797,8 @@
         </p:blipFill>
         <p:spPr bwMode="auto">
           <a:xfrm>
-            <a:off x="0" y="-304800"/>
-            <a:ext cx="9144000" cy="6629400"/>
+            <a:off x="0" y="-533400"/>
+            <a:ext cx="9144000" cy="6781800"/>
           </a:xfrm>
           <a:prstGeom prst="rect">
             <a:avLst/>
@@ -9786,10 +9855,10 @@
       </p:grpSpPr>
       <p:sp>
         <p:nvSpPr>
-          <p:cNvPr id="27650" name="Rectangle 6">
+          <p:cNvPr id="26626" name="Rectangle 5">
             <a:extLst>
               <a:ext uri="{FF2B5EF4-FFF2-40B4-BE49-F238E27FC236}">
-                <a16:creationId xmlns:a16="http://schemas.microsoft.com/office/drawing/2014/main" id="{9F6ADE52-07F7-F326-DE33-0585AB49178D}"/>
+                <a16:creationId xmlns:a16="http://schemas.microsoft.com/office/drawing/2014/main" id="{7928ADAF-A7EC-D8FB-AF4C-DF764F5B33E7}"/>
               </a:ext>
             </a:extLst>
           </p:cNvPr>
@@ -9800,7 +9869,7 @@
         </p:nvSpPr>
         <p:spPr bwMode="auto">
           <a:xfrm>
-            <a:off x="457200" y="265113"/>
+            <a:off x="457200" y="268288"/>
             <a:ext cx="8229600" cy="1143000"/>
           </a:xfrm>
           <a:prstGeom prst="rect">
@@ -9939,7 +10008,7 @@
                 </a:solidFill>
                 <a:cs typeface="Arial" panose="020B0604020202020204" pitchFamily="34" charset="0"/>
               </a:rPr>
-              <a:t>Solution – (6 - 25)</a:t>
+              <a:t>Exercise - (6 - 24)</a:t>
             </a:r>
             <a:endParaRPr lang="en-US" altLang="en-US" sz="4400">
               <a:solidFill>
@@ -9951,10 +10020,10 @@
       </p:sp>
       <p:pic>
         <p:nvPicPr>
-          <p:cNvPr id="27651" name="Picture 4">
+          <p:cNvPr id="26627" name="Picture 4">
             <a:extLst>
               <a:ext uri="{FF2B5EF4-FFF2-40B4-BE49-F238E27FC236}">
-                <a16:creationId xmlns:a16="http://schemas.microsoft.com/office/drawing/2014/main" id="{EE4DC69A-CFFE-6CAC-0FF1-1387EE539A32}"/>
+                <a16:creationId xmlns:a16="http://schemas.microsoft.com/office/drawing/2014/main" id="{C0513D01-A39E-8CCF-000D-C01845DBD76E}"/>
               </a:ext>
             </a:extLst>
           </p:cNvPr>
@@ -9978,8 +10047,8 @@
         </p:blipFill>
         <p:spPr bwMode="auto">
           <a:xfrm>
-            <a:off x="0" y="-228600"/>
-            <a:ext cx="9144000" cy="6553200"/>
+            <a:off x="0" y="-304800"/>
+            <a:ext cx="9144000" cy="6629400"/>
           </a:xfrm>
           <a:prstGeom prst="rect">
             <a:avLst/>
@@ -10036,10 +10105,10 @@
       </p:grpSpPr>
       <p:sp>
         <p:nvSpPr>
-          <p:cNvPr id="28674" name="Rectangle 6">
+          <p:cNvPr id="27650" name="Rectangle 6">
             <a:extLst>
               <a:ext uri="{FF2B5EF4-FFF2-40B4-BE49-F238E27FC236}">
-                <a16:creationId xmlns:a16="http://schemas.microsoft.com/office/drawing/2014/main" id="{EDB25116-3C01-2CBA-38F0-463053D3AACF}"/>
+                <a16:creationId xmlns:a16="http://schemas.microsoft.com/office/drawing/2014/main" id="{9F6ADE52-07F7-F326-DE33-0585AB49178D}"/>
               </a:ext>
             </a:extLst>
           </p:cNvPr>
@@ -10050,7 +10119,7 @@
         </p:nvSpPr>
         <p:spPr bwMode="auto">
           <a:xfrm>
-            <a:off x="457200" y="268288"/>
+            <a:off x="457200" y="265113"/>
             <a:ext cx="8229600" cy="1143000"/>
           </a:xfrm>
           <a:prstGeom prst="rect">
@@ -10189,7 +10258,7 @@
                 </a:solidFill>
                 <a:cs typeface="Arial" panose="020B0604020202020204" pitchFamily="34" charset="0"/>
               </a:rPr>
-              <a:t>Exercise – (6 - 27)</a:t>
+              <a:t>Solution – (6 - 25)</a:t>
             </a:r>
             <a:endParaRPr lang="en-US" altLang="en-US" sz="4400">
               <a:solidFill>
@@ -10201,10 +10270,10 @@
       </p:sp>
       <p:pic>
         <p:nvPicPr>
-          <p:cNvPr id="28675" name="Picture 4">
+          <p:cNvPr id="27651" name="Picture 4">
             <a:extLst>
               <a:ext uri="{FF2B5EF4-FFF2-40B4-BE49-F238E27FC236}">
-                <a16:creationId xmlns:a16="http://schemas.microsoft.com/office/drawing/2014/main" id="{AD1BC685-5D53-68FC-C48C-2C7DADE1DABD}"/>
+                <a16:creationId xmlns:a16="http://schemas.microsoft.com/office/drawing/2014/main" id="{EE4DC69A-CFFE-6CAC-0FF1-1387EE539A32}"/>
               </a:ext>
             </a:extLst>
           </p:cNvPr>
@@ -10228,8 +10297,8 @@
         </p:blipFill>
         <p:spPr bwMode="auto">
           <a:xfrm>
-            <a:off x="0" y="-304800"/>
-            <a:ext cx="9144000" cy="6629400"/>
+            <a:off x="0" y="-228600"/>
+            <a:ext cx="9144000" cy="6553200"/>
           </a:xfrm>
           <a:prstGeom prst="rect">
             <a:avLst/>
@@ -10286,10 +10355,10 @@
       </p:grpSpPr>
       <p:sp>
         <p:nvSpPr>
-          <p:cNvPr id="29698" name="Rectangle 6">
+          <p:cNvPr id="28674" name="Rectangle 6">
             <a:extLst>
               <a:ext uri="{FF2B5EF4-FFF2-40B4-BE49-F238E27FC236}">
-                <a16:creationId xmlns:a16="http://schemas.microsoft.com/office/drawing/2014/main" id="{7E58EDFF-6C79-A270-2BD4-3027CF432C4B}"/>
+                <a16:creationId xmlns:a16="http://schemas.microsoft.com/office/drawing/2014/main" id="{EDB25116-3C01-2CBA-38F0-463053D3AACF}"/>
               </a:ext>
             </a:extLst>
           </p:cNvPr>
@@ -10300,7 +10369,7 @@
         </p:nvSpPr>
         <p:spPr bwMode="auto">
           <a:xfrm>
-            <a:off x="457200" y="263525"/>
+            <a:off x="457200" y="268288"/>
             <a:ext cx="8229600" cy="1143000"/>
           </a:xfrm>
           <a:prstGeom prst="rect">
@@ -10439,7 +10508,7 @@
                 </a:solidFill>
                 <a:cs typeface="Arial" panose="020B0604020202020204" pitchFamily="34" charset="0"/>
               </a:rPr>
-              <a:t>Solution – (6 - 28)</a:t>
+              <a:t>Exercise – (6 - 27)</a:t>
             </a:r>
             <a:endParaRPr lang="en-US" altLang="en-US" sz="4400">
               <a:solidFill>
@@ -10451,10 +10520,10 @@
       </p:sp>
       <p:pic>
         <p:nvPicPr>
-          <p:cNvPr id="29699" name="Picture 4">
+          <p:cNvPr id="28675" name="Picture 4">
             <a:extLst>
               <a:ext uri="{FF2B5EF4-FFF2-40B4-BE49-F238E27FC236}">
-                <a16:creationId xmlns:a16="http://schemas.microsoft.com/office/drawing/2014/main" id="{391BB3A0-B16F-0A3F-D006-95DC666E5511}"/>
+                <a16:creationId xmlns:a16="http://schemas.microsoft.com/office/drawing/2014/main" id="{AD1BC685-5D53-68FC-C48C-2C7DADE1DABD}"/>
               </a:ext>
             </a:extLst>
           </p:cNvPr>
@@ -10536,6 +10605,256 @@
       </p:grpSpPr>
       <p:sp>
         <p:nvSpPr>
+          <p:cNvPr id="29698" name="Rectangle 6">
+            <a:extLst>
+              <a:ext uri="{FF2B5EF4-FFF2-40B4-BE49-F238E27FC236}">
+                <a16:creationId xmlns:a16="http://schemas.microsoft.com/office/drawing/2014/main" id="{7E58EDFF-6C79-A270-2BD4-3027CF432C4B}"/>
+              </a:ext>
+            </a:extLst>
+          </p:cNvPr>
+          <p:cNvSpPr>
+            <a:spLocks noChangeArrowheads="1"/>
+          </p:cNvSpPr>
+          <p:nvPr/>
+        </p:nvSpPr>
+        <p:spPr bwMode="auto">
+          <a:xfrm>
+            <a:off x="457200" y="263525"/>
+            <a:ext cx="8229600" cy="1143000"/>
+          </a:xfrm>
+          <a:prstGeom prst="rect">
+            <a:avLst/>
+          </a:prstGeom>
+          <a:noFill/>
+          <a:ln>
+            <a:noFill/>
+          </a:ln>
+          <a:extLst>
+            <a:ext uri="{909E8E84-426E-40DD-AFC4-6F175D3DCCD1}">
+              <a14:hiddenFill xmlns:a14="http://schemas.microsoft.com/office/drawing/2010/main">
+                <a:solidFill>
+                  <a:srgbClr val="FFFFFF"/>
+                </a:solidFill>
+              </a14:hiddenFill>
+            </a:ext>
+            <a:ext uri="{91240B29-F687-4F45-9708-019B960494DF}">
+              <a14:hiddenLine xmlns:a14="http://schemas.microsoft.com/office/drawing/2010/main" w="9525">
+                <a:solidFill>
+                  <a:srgbClr val="000000"/>
+                </a:solidFill>
+                <a:miter lim="800000"/>
+                <a:headEnd/>
+                <a:tailEnd/>
+              </a14:hiddenLine>
+            </a:ext>
+          </a:extLst>
+        </p:spPr>
+        <p:txBody>
+          <a:bodyPr anchor="ctr"/>
+          <a:lstStyle>
+            <a:lvl1pPr eaLnBrk="0" hangingPunct="0">
+              <a:defRPr>
+                <a:solidFill>
+                  <a:schemeClr val="tx1"/>
+                </a:solidFill>
+                <a:latin typeface="Arial" panose="020B0604020202020204" pitchFamily="34" charset="0"/>
+              </a:defRPr>
+            </a:lvl1pPr>
+            <a:lvl2pPr marL="742950" indent="-285750" eaLnBrk="0" hangingPunct="0">
+              <a:defRPr>
+                <a:solidFill>
+                  <a:schemeClr val="tx1"/>
+                </a:solidFill>
+                <a:latin typeface="Arial" panose="020B0604020202020204" pitchFamily="34" charset="0"/>
+              </a:defRPr>
+            </a:lvl2pPr>
+            <a:lvl3pPr marL="1143000" indent="-228600" eaLnBrk="0" hangingPunct="0">
+              <a:defRPr>
+                <a:solidFill>
+                  <a:schemeClr val="tx1"/>
+                </a:solidFill>
+                <a:latin typeface="Arial" panose="020B0604020202020204" pitchFamily="34" charset="0"/>
+              </a:defRPr>
+            </a:lvl3pPr>
+            <a:lvl4pPr marL="1600200" indent="-228600" eaLnBrk="0" hangingPunct="0">
+              <a:defRPr>
+                <a:solidFill>
+                  <a:schemeClr val="tx1"/>
+                </a:solidFill>
+                <a:latin typeface="Arial" panose="020B0604020202020204" pitchFamily="34" charset="0"/>
+              </a:defRPr>
+            </a:lvl4pPr>
+            <a:lvl5pPr marL="2057400" indent="-228600" eaLnBrk="0" hangingPunct="0">
+              <a:defRPr>
+                <a:solidFill>
+                  <a:schemeClr val="tx1"/>
+                </a:solidFill>
+                <a:latin typeface="Arial" panose="020B0604020202020204" pitchFamily="34" charset="0"/>
+              </a:defRPr>
+            </a:lvl5pPr>
+            <a:lvl6pPr marL="2514600" indent="-228600" eaLnBrk="0" fontAlgn="base" hangingPunct="0">
+              <a:spcBef>
+                <a:spcPct val="0"/>
+              </a:spcBef>
+              <a:spcAft>
+                <a:spcPct val="0"/>
+              </a:spcAft>
+              <a:defRPr>
+                <a:solidFill>
+                  <a:schemeClr val="tx1"/>
+                </a:solidFill>
+                <a:latin typeface="Arial" panose="020B0604020202020204" pitchFamily="34" charset="0"/>
+              </a:defRPr>
+            </a:lvl6pPr>
+            <a:lvl7pPr marL="2971800" indent="-228600" eaLnBrk="0" fontAlgn="base" hangingPunct="0">
+              <a:spcBef>
+                <a:spcPct val="0"/>
+              </a:spcBef>
+              <a:spcAft>
+                <a:spcPct val="0"/>
+              </a:spcAft>
+              <a:defRPr>
+                <a:solidFill>
+                  <a:schemeClr val="tx1"/>
+                </a:solidFill>
+                <a:latin typeface="Arial" panose="020B0604020202020204" pitchFamily="34" charset="0"/>
+              </a:defRPr>
+            </a:lvl7pPr>
+            <a:lvl8pPr marL="3429000" indent="-228600" eaLnBrk="0" fontAlgn="base" hangingPunct="0">
+              <a:spcBef>
+                <a:spcPct val="0"/>
+              </a:spcBef>
+              <a:spcAft>
+                <a:spcPct val="0"/>
+              </a:spcAft>
+              <a:defRPr>
+                <a:solidFill>
+                  <a:schemeClr val="tx1"/>
+                </a:solidFill>
+                <a:latin typeface="Arial" panose="020B0604020202020204" pitchFamily="34" charset="0"/>
+              </a:defRPr>
+            </a:lvl8pPr>
+            <a:lvl9pPr marL="3886200" indent="-228600" eaLnBrk="0" fontAlgn="base" hangingPunct="0">
+              <a:spcBef>
+                <a:spcPct val="0"/>
+              </a:spcBef>
+              <a:spcAft>
+                <a:spcPct val="0"/>
+              </a:spcAft>
+              <a:defRPr>
+                <a:solidFill>
+                  <a:schemeClr val="tx1"/>
+                </a:solidFill>
+                <a:latin typeface="Arial" panose="020B0604020202020204" pitchFamily="34" charset="0"/>
+              </a:defRPr>
+            </a:lvl9pPr>
+          </a:lstStyle>
+          <a:p>
+            <a:pPr algn="ctr" eaLnBrk="1" hangingPunct="1"/>
+            <a:r>
+              <a:rPr lang="en-US" altLang="en-US" sz="4400">
+                <a:solidFill>
+                  <a:schemeClr val="tx2"/>
+                </a:solidFill>
+                <a:cs typeface="Arial" panose="020B0604020202020204" pitchFamily="34" charset="0"/>
+              </a:rPr>
+              <a:t>Solution – (6 - 28)</a:t>
+            </a:r>
+            <a:endParaRPr lang="en-US" altLang="en-US" sz="4400">
+              <a:solidFill>
+                <a:schemeClr val="tx2"/>
+              </a:solidFill>
+            </a:endParaRPr>
+          </a:p>
+        </p:txBody>
+      </p:sp>
+      <p:pic>
+        <p:nvPicPr>
+          <p:cNvPr id="29699" name="Picture 4">
+            <a:extLst>
+              <a:ext uri="{FF2B5EF4-FFF2-40B4-BE49-F238E27FC236}">
+                <a16:creationId xmlns:a16="http://schemas.microsoft.com/office/drawing/2014/main" id="{391BB3A0-B16F-0A3F-D006-95DC666E5511}"/>
+              </a:ext>
+            </a:extLst>
+          </p:cNvPr>
+          <p:cNvPicPr>
+            <a:picLocks noChangeAspect="1" noChangeArrowheads="1"/>
+          </p:cNvPicPr>
+          <p:nvPr/>
+        </p:nvPicPr>
+        <p:blipFill>
+          <a:blip r:embed="rId2">
+            <a:extLst>
+              <a:ext uri="{28A0092B-C50C-407E-A947-70E740481C1C}">
+                <a14:useLocalDpi xmlns:a14="http://schemas.microsoft.com/office/drawing/2010/main" val="0"/>
+              </a:ext>
+            </a:extLst>
+          </a:blip>
+          <a:srcRect/>
+          <a:stretch>
+            <a:fillRect/>
+          </a:stretch>
+        </p:blipFill>
+        <p:spPr bwMode="auto">
+          <a:xfrm>
+            <a:off x="0" y="-304800"/>
+            <a:ext cx="9144000" cy="6629400"/>
+          </a:xfrm>
+          <a:prstGeom prst="rect">
+            <a:avLst/>
+          </a:prstGeom>
+          <a:noFill/>
+          <a:ln>
+            <a:noFill/>
+          </a:ln>
+          <a:extLst>
+            <a:ext uri="{909E8E84-426E-40DD-AFC4-6F175D3DCCD1}">
+              <a14:hiddenFill xmlns:a14="http://schemas.microsoft.com/office/drawing/2010/main">
+                <a:solidFill>
+                  <a:srgbClr val="FFFFFF"/>
+                </a:solidFill>
+              </a14:hiddenFill>
+            </a:ext>
+            <a:ext uri="{91240B29-F687-4F45-9708-019B960494DF}">
+              <a14:hiddenLine xmlns:a14="http://schemas.microsoft.com/office/drawing/2010/main" w="9525">
+                <a:solidFill>
+                  <a:srgbClr val="000000"/>
+                </a:solidFill>
+                <a:miter lim="800000"/>
+                <a:headEnd/>
+                <a:tailEnd/>
+              </a14:hiddenLine>
+            </a:ext>
+          </a:extLst>
+        </p:spPr>
+      </p:pic>
+    </p:spTree>
+  </p:cSld>
+  <p:clrMapOvr>
+    <a:masterClrMapping/>
+  </p:clrMapOvr>
+</p:sld>
+</file>
+
+<file path=ppt/slides/slide36.xml><?xml version="1.0" encoding="utf-8"?>
+<p:sld xmlns:a="http://schemas.openxmlformats.org/drawingml/2006/main" xmlns:r="http://schemas.openxmlformats.org/officeDocument/2006/relationships" xmlns:p="http://schemas.openxmlformats.org/presentationml/2006/main" showMasterSp="0">
+  <p:cSld>
+    <p:spTree>
+      <p:nvGrpSpPr>
+        <p:cNvPr id="1" name=""/>
+        <p:cNvGrpSpPr/>
+        <p:nvPr/>
+      </p:nvGrpSpPr>
+      <p:grpSpPr>
+        <a:xfrm>
+          <a:off x="0" y="0"/>
+          <a:ext cx="0" cy="0"/>
+          <a:chOff x="0" y="0"/>
+          <a:chExt cx="0" cy="0"/>
+        </a:xfrm>
+      </p:grpSpPr>
+      <p:sp>
+        <p:nvSpPr>
           <p:cNvPr id="30722" name="Rectangle 6">
             <a:extLst>
               <a:ext uri="{FF2B5EF4-FFF2-40B4-BE49-F238E27FC236}">
@@ -10767,7 +11086,7 @@
 </p:sld>
 </file>
 
-<file path=ppt/slides/slide36.xml><?xml version="1.0" encoding="utf-8"?>
+<file path=ppt/slides/slide37.xml><?xml version="1.0" encoding="utf-8"?>
 <p:sld xmlns:a="http://schemas.openxmlformats.org/drawingml/2006/main" xmlns:r="http://schemas.openxmlformats.org/officeDocument/2006/relationships" xmlns:p="http://schemas.openxmlformats.org/presentationml/2006/main" showMasterSp="0">
   <p:cSld>
     <p:spTree>
